--- a/CSDLNangCao/DoAnCaiDat/csdl_seminar_slide.pptx
+++ b/CSDLNangCao/DoAnCaiDat/csdl_seminar_slide.pptx
@@ -11462,6 +11462,36 @@
           </a:p>
         </p:txBody>
       </p:sp>
+      <p:pic>
+        <p:nvPicPr>
+          <p:cNvPr id="5" name="Picture 4">
+            <a:extLst>
+              <a:ext uri="{FF2B5EF4-FFF2-40B4-BE49-F238E27FC236}">
+                <a16:creationId xmlns:a16="http://schemas.microsoft.com/office/drawing/2014/main" id="{AD6A523E-AB90-429D-A1C9-7934C8548D37}"/>
+              </a:ext>
+            </a:extLst>
+          </p:cNvPr>
+          <p:cNvPicPr>
+            <a:picLocks noChangeAspect="1"/>
+          </p:cNvPicPr>
+          <p:nvPr/>
+        </p:nvPicPr>
+        <p:blipFill>
+          <a:blip r:embed="rId2"/>
+          <a:stretch>
+            <a:fillRect/>
+          </a:stretch>
+        </p:blipFill>
+        <p:spPr>
+          <a:xfrm>
+            <a:off x="755650" y="1348670"/>
+            <a:ext cx="5314950" cy="4476750"/>
+          </a:xfrm>
+          <a:prstGeom prst="rect">
+            <a:avLst/>
+          </a:prstGeom>
+        </p:spPr>
+      </p:pic>
     </p:spTree>
     <p:extLst>
       <p:ext uri="{BB962C8B-B14F-4D97-AF65-F5344CB8AC3E}">
@@ -11637,14 +11667,14 @@
             <a:pPr lvl="1"/>
             <a:r>
               <a:rPr lang="en-US" dirty="0"/>
-              <a:t>(USER)-[:BORN]-&gt;(CITY)</a:t>
+              <a:t>(USER)-[:IN]-&gt;(CITY)</a:t>
             </a:r>
           </a:p>
           <a:p>
             <a:pPr lvl="1"/>
             <a:r>
               <a:rPr lang="en-US" dirty="0"/>
-              <a:t>(USER)-[:IN]-&gt;(GEN)</a:t>
+              <a:t>(USER)-[:BORN]-&gt;(GEN)</a:t>
             </a:r>
           </a:p>
           <a:p>
@@ -11691,10 +11721,10 @@
       </p:pic>
       <p:pic>
         <p:nvPicPr>
-          <p:cNvPr id="9" name="Picture 8">
+          <p:cNvPr id="6" name="Picture 5">
             <a:extLst>
               <a:ext uri="{FF2B5EF4-FFF2-40B4-BE49-F238E27FC236}">
-                <a16:creationId xmlns:a16="http://schemas.microsoft.com/office/drawing/2014/main" id="{3049A7DA-67C0-4A35-8A6D-BE71086D9CBC}"/>
+                <a16:creationId xmlns:a16="http://schemas.microsoft.com/office/drawing/2014/main" id="{6A2E0FBD-14A4-4CEA-8283-9AC7227A85A7}"/>
               </a:ext>
             </a:extLst>
           </p:cNvPr>
@@ -11711,8 +11741,8 @@
         </p:blipFill>
         <p:spPr>
           <a:xfrm>
-            <a:off x="654799" y="3845720"/>
-            <a:ext cx="4743450" cy="2809875"/>
+            <a:off x="379957" y="3856120"/>
+            <a:ext cx="4933950" cy="2895600"/>
           </a:xfrm>
           <a:prstGeom prst="rect">
             <a:avLst/>
@@ -12954,12 +12984,8 @@
           <a:p>
             <a:pPr lvl="2"/>
             <a:r>
-              <a:rPr lang="en-US" dirty="0" err="1"/>
-              <a:t>Twtitter</a:t>
-            </a:r>
-            <a:r>
               <a:rPr lang="en-US" dirty="0"/>
-              <a:t> </a:t>
+              <a:t>Twitter </a:t>
             </a:r>
           </a:p>
           <a:p>

--- a/CSDLNangCao/DoAnCaiDat/csdl_seminar_slide.pptx
+++ b/CSDLNangCao/DoAnCaiDat/csdl_seminar_slide.pptx
@@ -13215,6 +13215,16 @@
             </a:r>
           </a:p>
           <a:p>
+            <a:r>
+              <a:rPr lang="en-US" dirty="0" err="1"/>
+              <a:t>Templatemo</a:t>
+            </a:r>
+            <a:r>
+              <a:rPr lang="en-US" dirty="0"/>
+              <a:t>, "Reflux Template," Free HTML5 CSS Website Templates. [Online].</a:t>
+            </a:r>
+          </a:p>
+          <a:p>
             <a:endParaRPr lang="en-US" dirty="0"/>
           </a:p>
         </p:txBody>
